--- a/03_Figures/results/05_Editing_Fig2.pptx
+++ b/03_Figures/results/05_Editing_Fig2.pptx
@@ -2,19 +2,19 @@
 <file path=ppt/presentation.xml><?xml version="1.0" encoding="utf-8"?>
 <p:presentation xmlns:a="http://schemas.openxmlformats.org/drawingml/2006/main" xmlns:r="http://schemas.openxmlformats.org/officeDocument/2006/relationships" xmlns:p="http://schemas.openxmlformats.org/presentationml/2006/main" saveSubsetFonts="1">
   <p:sldMasterIdLst>
-    <p:sldMasterId id="2147483660" r:id="rId1"/>
+    <p:sldMasterId id="2147483708" r:id="rId1"/>
   </p:sldMasterIdLst>
   <p:sldIdLst>
     <p:sldId id="256" r:id="rId2"/>
   </p:sldIdLst>
-  <p:sldSz cx="7380288" cy="4319588"/>
+  <p:sldSz cx="14039850" cy="4679950"/>
   <p:notesSz cx="6858000" cy="9144000"/>
   <p:defaultTextStyle>
     <a:defPPr>
       <a:defRPr lang="es-MX"/>
     </a:defPPr>
-    <a:lvl1pPr marL="0" algn="l" defTabSz="561533" rtl="0" eaLnBrk="1" latinLnBrk="0" hangingPunct="1">
-      <a:defRPr sz="1105" kern="1200">
+    <a:lvl1pPr marL="0" algn="l" defTabSz="898220" rtl="0" eaLnBrk="1" latinLnBrk="0" hangingPunct="1">
+      <a:defRPr sz="1768" kern="1200">
         <a:solidFill>
           <a:schemeClr val="tx1"/>
         </a:solidFill>
@@ -23,8 +23,8 @@
         <a:cs typeface="+mn-cs"/>
       </a:defRPr>
     </a:lvl1pPr>
-    <a:lvl2pPr marL="280767" algn="l" defTabSz="561533" rtl="0" eaLnBrk="1" latinLnBrk="0" hangingPunct="1">
-      <a:defRPr sz="1105" kern="1200">
+    <a:lvl2pPr marL="449111" algn="l" defTabSz="898220" rtl="0" eaLnBrk="1" latinLnBrk="0" hangingPunct="1">
+      <a:defRPr sz="1768" kern="1200">
         <a:solidFill>
           <a:schemeClr val="tx1"/>
         </a:solidFill>
@@ -33,8 +33,8 @@
         <a:cs typeface="+mn-cs"/>
       </a:defRPr>
     </a:lvl2pPr>
-    <a:lvl3pPr marL="561533" algn="l" defTabSz="561533" rtl="0" eaLnBrk="1" latinLnBrk="0" hangingPunct="1">
-      <a:defRPr sz="1105" kern="1200">
+    <a:lvl3pPr marL="898220" algn="l" defTabSz="898220" rtl="0" eaLnBrk="1" latinLnBrk="0" hangingPunct="1">
+      <a:defRPr sz="1768" kern="1200">
         <a:solidFill>
           <a:schemeClr val="tx1"/>
         </a:solidFill>
@@ -43,8 +43,8 @@
         <a:cs typeface="+mn-cs"/>
       </a:defRPr>
     </a:lvl3pPr>
-    <a:lvl4pPr marL="842300" algn="l" defTabSz="561533" rtl="0" eaLnBrk="1" latinLnBrk="0" hangingPunct="1">
-      <a:defRPr sz="1105" kern="1200">
+    <a:lvl4pPr marL="1347331" algn="l" defTabSz="898220" rtl="0" eaLnBrk="1" latinLnBrk="0" hangingPunct="1">
+      <a:defRPr sz="1768" kern="1200">
         <a:solidFill>
           <a:schemeClr val="tx1"/>
         </a:solidFill>
@@ -53,8 +53,8 @@
         <a:cs typeface="+mn-cs"/>
       </a:defRPr>
     </a:lvl4pPr>
-    <a:lvl5pPr marL="1123066" algn="l" defTabSz="561533" rtl="0" eaLnBrk="1" latinLnBrk="0" hangingPunct="1">
-      <a:defRPr sz="1105" kern="1200">
+    <a:lvl5pPr marL="1796440" algn="l" defTabSz="898220" rtl="0" eaLnBrk="1" latinLnBrk="0" hangingPunct="1">
+      <a:defRPr sz="1768" kern="1200">
         <a:solidFill>
           <a:schemeClr val="tx1"/>
         </a:solidFill>
@@ -63,8 +63,8 @@
         <a:cs typeface="+mn-cs"/>
       </a:defRPr>
     </a:lvl5pPr>
-    <a:lvl6pPr marL="1403833" algn="l" defTabSz="561533" rtl="0" eaLnBrk="1" latinLnBrk="0" hangingPunct="1">
-      <a:defRPr sz="1105" kern="1200">
+    <a:lvl6pPr marL="2245550" algn="l" defTabSz="898220" rtl="0" eaLnBrk="1" latinLnBrk="0" hangingPunct="1">
+      <a:defRPr sz="1768" kern="1200">
         <a:solidFill>
           <a:schemeClr val="tx1"/>
         </a:solidFill>
@@ -73,8 +73,8 @@
         <a:cs typeface="+mn-cs"/>
       </a:defRPr>
     </a:lvl6pPr>
-    <a:lvl7pPr marL="1684599" algn="l" defTabSz="561533" rtl="0" eaLnBrk="1" latinLnBrk="0" hangingPunct="1">
-      <a:defRPr sz="1105" kern="1200">
+    <a:lvl7pPr marL="2694659" algn="l" defTabSz="898220" rtl="0" eaLnBrk="1" latinLnBrk="0" hangingPunct="1">
+      <a:defRPr sz="1768" kern="1200">
         <a:solidFill>
           <a:schemeClr val="tx1"/>
         </a:solidFill>
@@ -83,8 +83,8 @@
         <a:cs typeface="+mn-cs"/>
       </a:defRPr>
     </a:lvl7pPr>
-    <a:lvl8pPr marL="1965366" algn="l" defTabSz="561533" rtl="0" eaLnBrk="1" latinLnBrk="0" hangingPunct="1">
-      <a:defRPr sz="1105" kern="1200">
+    <a:lvl8pPr marL="3143770" algn="l" defTabSz="898220" rtl="0" eaLnBrk="1" latinLnBrk="0" hangingPunct="1">
+      <a:defRPr sz="1768" kern="1200">
         <a:solidFill>
           <a:schemeClr val="tx1"/>
         </a:solidFill>
@@ -93,8 +93,8 @@
         <a:cs typeface="+mn-cs"/>
       </a:defRPr>
     </a:lvl8pPr>
-    <a:lvl9pPr marL="2246132" algn="l" defTabSz="561533" rtl="0" eaLnBrk="1" latinLnBrk="0" hangingPunct="1">
-      <a:defRPr sz="1105" kern="1200">
+    <a:lvl9pPr marL="3592879" algn="l" defTabSz="898220" rtl="0" eaLnBrk="1" latinLnBrk="0" hangingPunct="1">
+      <a:defRPr sz="1768" kern="1200">
         <a:solidFill>
           <a:schemeClr val="tx1"/>
         </a:solidFill>
@@ -106,7 +106,18 @@
   </p:defaultTextStyle>
   <p:extLst>
     <p:ext uri="{EFAFB233-063F-42B5-8137-9DF3F51BA10A}">
-      <p15:sldGuideLst xmlns:p15="http://schemas.microsoft.com/office/powerpoint/2012/main"/>
+      <p15:sldGuideLst xmlns:p15="http://schemas.microsoft.com/office/powerpoint/2012/main">
+        <p15:guide id="1" orient="horz" pos="159" userDrawn="1">
+          <p15:clr>
+            <a:srgbClr val="A4A3A4"/>
+          </p15:clr>
+        </p15:guide>
+        <p15:guide id="2" pos="4898" userDrawn="1">
+          <p15:clr>
+            <a:srgbClr val="A4A3A4"/>
+          </p15:clr>
+        </p15:guide>
+      </p15:sldGuideLst>
     </p:ext>
   </p:extLst>
 </p:presentation>
@@ -141,15 +152,15 @@
         </p:nvSpPr>
         <p:spPr>
           <a:xfrm>
-            <a:off x="922536" y="706933"/>
-            <a:ext cx="5535216" cy="1503857"/>
+            <a:off x="1754981" y="765909"/>
+            <a:ext cx="10529888" cy="1629316"/>
           </a:xfrm>
         </p:spPr>
         <p:txBody>
           <a:bodyPr anchor="b"/>
           <a:lstStyle>
             <a:lvl1pPr algn="ctr">
-              <a:defRPr sz="3632"/>
+              <a:defRPr sz="4094"/>
             </a:lvl1pPr>
           </a:lstStyle>
           <a:p>
@@ -173,8 +184,8 @@
         </p:nvSpPr>
         <p:spPr>
           <a:xfrm>
-            <a:off x="922536" y="2268784"/>
-            <a:ext cx="5535216" cy="1042900"/>
+            <a:off x="1754981" y="2458058"/>
+            <a:ext cx="10529888" cy="1129904"/>
           </a:xfrm>
         </p:spPr>
         <p:txBody>
@@ -182,39 +193,39 @@
           <a:lstStyle>
             <a:lvl1pPr marL="0" indent="0" algn="ctr">
               <a:buNone/>
-              <a:defRPr sz="1453"/>
+              <a:defRPr sz="1638"/>
             </a:lvl1pPr>
-            <a:lvl2pPr marL="276743" indent="0" algn="ctr">
-              <a:buNone/>
-              <a:defRPr sz="1211"/>
+            <a:lvl2pPr marL="311993" indent="0" algn="ctr">
+              <a:buNone/>
+              <a:defRPr sz="1365"/>
             </a:lvl2pPr>
-            <a:lvl3pPr marL="553486" indent="0" algn="ctr">
-              <a:buNone/>
-              <a:defRPr sz="1090"/>
+            <a:lvl3pPr marL="623987" indent="0" algn="ctr">
+              <a:buNone/>
+              <a:defRPr sz="1228"/>
             </a:lvl3pPr>
-            <a:lvl4pPr marL="830229" indent="0" algn="ctr">
-              <a:buNone/>
-              <a:defRPr sz="968"/>
+            <a:lvl4pPr marL="935980" indent="0" algn="ctr">
+              <a:buNone/>
+              <a:defRPr sz="1092"/>
             </a:lvl4pPr>
-            <a:lvl5pPr marL="1106973" indent="0" algn="ctr">
-              <a:buNone/>
-              <a:defRPr sz="968"/>
+            <a:lvl5pPr marL="1247973" indent="0" algn="ctr">
+              <a:buNone/>
+              <a:defRPr sz="1092"/>
             </a:lvl5pPr>
-            <a:lvl6pPr marL="1383716" indent="0" algn="ctr">
-              <a:buNone/>
-              <a:defRPr sz="968"/>
+            <a:lvl6pPr marL="1559966" indent="0" algn="ctr">
+              <a:buNone/>
+              <a:defRPr sz="1092"/>
             </a:lvl6pPr>
-            <a:lvl7pPr marL="1660459" indent="0" algn="ctr">
-              <a:buNone/>
-              <a:defRPr sz="968"/>
+            <a:lvl7pPr marL="1871960" indent="0" algn="ctr">
+              <a:buNone/>
+              <a:defRPr sz="1092"/>
             </a:lvl7pPr>
-            <a:lvl8pPr marL="1937202" indent="0" algn="ctr">
-              <a:buNone/>
-              <a:defRPr sz="968"/>
+            <a:lvl8pPr marL="2183953" indent="0" algn="ctr">
+              <a:buNone/>
+              <a:defRPr sz="1092"/>
             </a:lvl8pPr>
-            <a:lvl9pPr marL="2213945" indent="0" algn="ctr">
-              <a:buNone/>
-              <a:defRPr sz="968"/>
+            <a:lvl9pPr marL="2495946" indent="0" algn="ctr">
+              <a:buNone/>
+              <a:defRPr sz="1092"/>
             </a:lvl9pPr>
           </a:lstStyle>
           <a:p>
@@ -243,7 +254,7 @@
           <a:p>
             <a:fld id="{9AD14DA8-B110-42A7-BED7-AFDC7EDC40E0}" type="datetimeFigureOut">
               <a:rPr lang="es-MX" smtClean="0"/>
-              <a:t>09/06/2022</a:t>
+              <a:t>11/06/2022</a:t>
             </a:fld>
             <a:endParaRPr lang="es-MX"/>
           </a:p>
@@ -294,7 +305,7 @@
     </p:spTree>
     <p:extLst>
       <p:ext uri="{BB962C8B-B14F-4D97-AF65-F5344CB8AC3E}">
-        <p14:creationId xmlns:p14="http://schemas.microsoft.com/office/powerpoint/2010/main" val="2593505461"/>
+        <p14:creationId xmlns:p14="http://schemas.microsoft.com/office/powerpoint/2010/main" val="4026495893"/>
       </p:ext>
     </p:extLst>
   </p:cSld>
@@ -413,7 +424,7 @@
           <a:p>
             <a:fld id="{9AD14DA8-B110-42A7-BED7-AFDC7EDC40E0}" type="datetimeFigureOut">
               <a:rPr lang="es-MX" smtClean="0"/>
-              <a:t>09/06/2022</a:t>
+              <a:t>11/06/2022</a:t>
             </a:fld>
             <a:endParaRPr lang="es-MX"/>
           </a:p>
@@ -464,7 +475,7 @@
     </p:spTree>
     <p:extLst>
       <p:ext uri="{BB962C8B-B14F-4D97-AF65-F5344CB8AC3E}">
-        <p14:creationId xmlns:p14="http://schemas.microsoft.com/office/powerpoint/2010/main" val="2608702066"/>
+        <p14:creationId xmlns:p14="http://schemas.microsoft.com/office/powerpoint/2010/main" val="3136238141"/>
       </p:ext>
     </p:extLst>
   </p:cSld>
@@ -503,8 +514,8 @@
         </p:nvSpPr>
         <p:spPr>
           <a:xfrm>
-            <a:off x="5281518" y="229978"/>
-            <a:ext cx="1591375" cy="3660651"/>
+            <a:off x="10047267" y="249164"/>
+            <a:ext cx="3027343" cy="3966041"/>
           </a:xfrm>
         </p:spPr>
         <p:txBody>
@@ -531,8 +542,8 @@
         </p:nvSpPr>
         <p:spPr>
           <a:xfrm>
-            <a:off x="507395" y="229978"/>
-            <a:ext cx="4681870" cy="3660651"/>
+            <a:off x="965240" y="249164"/>
+            <a:ext cx="8906530" cy="3966041"/>
           </a:xfrm>
         </p:spPr>
         <p:txBody>
@@ -593,7 +604,7 @@
           <a:p>
             <a:fld id="{9AD14DA8-B110-42A7-BED7-AFDC7EDC40E0}" type="datetimeFigureOut">
               <a:rPr lang="es-MX" smtClean="0"/>
-              <a:t>09/06/2022</a:t>
+              <a:t>11/06/2022</a:t>
             </a:fld>
             <a:endParaRPr lang="es-MX"/>
           </a:p>
@@ -644,7 +655,7 @@
     </p:spTree>
     <p:extLst>
       <p:ext uri="{BB962C8B-B14F-4D97-AF65-F5344CB8AC3E}">
-        <p14:creationId xmlns:p14="http://schemas.microsoft.com/office/powerpoint/2010/main" val="2058819421"/>
+        <p14:creationId xmlns:p14="http://schemas.microsoft.com/office/powerpoint/2010/main" val="3153460024"/>
       </p:ext>
     </p:extLst>
   </p:cSld>
@@ -763,7 +774,7 @@
           <a:p>
             <a:fld id="{9AD14DA8-B110-42A7-BED7-AFDC7EDC40E0}" type="datetimeFigureOut">
               <a:rPr lang="es-MX" smtClean="0"/>
-              <a:t>09/06/2022</a:t>
+              <a:t>11/06/2022</a:t>
             </a:fld>
             <a:endParaRPr lang="es-MX"/>
           </a:p>
@@ -814,7 +825,7 @@
     </p:spTree>
     <p:extLst>
       <p:ext uri="{BB962C8B-B14F-4D97-AF65-F5344CB8AC3E}">
-        <p14:creationId xmlns:p14="http://schemas.microsoft.com/office/powerpoint/2010/main" val="2404841058"/>
+        <p14:creationId xmlns:p14="http://schemas.microsoft.com/office/powerpoint/2010/main" val="3388301454"/>
       </p:ext>
     </p:extLst>
   </p:cSld>
@@ -853,15 +864,15 @@
         </p:nvSpPr>
         <p:spPr>
           <a:xfrm>
-            <a:off x="503551" y="1076898"/>
-            <a:ext cx="6365498" cy="1796828"/>
+            <a:off x="957927" y="1166738"/>
+            <a:ext cx="12109371" cy="1946729"/>
           </a:xfrm>
         </p:spPr>
         <p:txBody>
           <a:bodyPr anchor="b"/>
           <a:lstStyle>
             <a:lvl1pPr>
-              <a:defRPr sz="3632"/>
+              <a:defRPr sz="4094"/>
             </a:lvl1pPr>
           </a:lstStyle>
           <a:p>
@@ -885,8 +896,8 @@
         </p:nvSpPr>
         <p:spPr>
           <a:xfrm>
-            <a:off x="503551" y="2890725"/>
-            <a:ext cx="6365498" cy="944910"/>
+            <a:off x="957927" y="3131884"/>
+            <a:ext cx="12109371" cy="1023739"/>
           </a:xfrm>
         </p:spPr>
         <p:txBody>
@@ -894,7 +905,7 @@
           <a:lstStyle>
             <a:lvl1pPr marL="0" indent="0">
               <a:buNone/>
-              <a:defRPr sz="1453">
+              <a:defRPr sz="1638">
                 <a:solidFill>
                   <a:schemeClr val="tx1">
                     <a:tint val="75000"/>
@@ -902,9 +913,9 @@
                 </a:solidFill>
               </a:defRPr>
             </a:lvl1pPr>
-            <a:lvl2pPr marL="276743" indent="0">
-              <a:buNone/>
-              <a:defRPr sz="1211">
+            <a:lvl2pPr marL="311993" indent="0">
+              <a:buNone/>
+              <a:defRPr sz="1365">
                 <a:solidFill>
                   <a:schemeClr val="tx1">
                     <a:tint val="75000"/>
@@ -912,9 +923,9 @@
                 </a:solidFill>
               </a:defRPr>
             </a:lvl2pPr>
-            <a:lvl3pPr marL="553486" indent="0">
-              <a:buNone/>
-              <a:defRPr sz="1090">
+            <a:lvl3pPr marL="623987" indent="0">
+              <a:buNone/>
+              <a:defRPr sz="1228">
                 <a:solidFill>
                   <a:schemeClr val="tx1">
                     <a:tint val="75000"/>
@@ -922,9 +933,9 @@
                 </a:solidFill>
               </a:defRPr>
             </a:lvl3pPr>
-            <a:lvl4pPr marL="830229" indent="0">
-              <a:buNone/>
-              <a:defRPr sz="968">
+            <a:lvl4pPr marL="935980" indent="0">
+              <a:buNone/>
+              <a:defRPr sz="1092">
                 <a:solidFill>
                   <a:schemeClr val="tx1">
                     <a:tint val="75000"/>
@@ -932,9 +943,9 @@
                 </a:solidFill>
               </a:defRPr>
             </a:lvl4pPr>
-            <a:lvl5pPr marL="1106973" indent="0">
-              <a:buNone/>
-              <a:defRPr sz="968">
+            <a:lvl5pPr marL="1247973" indent="0">
+              <a:buNone/>
+              <a:defRPr sz="1092">
                 <a:solidFill>
                   <a:schemeClr val="tx1">
                     <a:tint val="75000"/>
@@ -942,9 +953,9 @@
                 </a:solidFill>
               </a:defRPr>
             </a:lvl5pPr>
-            <a:lvl6pPr marL="1383716" indent="0">
-              <a:buNone/>
-              <a:defRPr sz="968">
+            <a:lvl6pPr marL="1559966" indent="0">
+              <a:buNone/>
+              <a:defRPr sz="1092">
                 <a:solidFill>
                   <a:schemeClr val="tx1">
                     <a:tint val="75000"/>
@@ -952,9 +963,9 @@
                 </a:solidFill>
               </a:defRPr>
             </a:lvl6pPr>
-            <a:lvl7pPr marL="1660459" indent="0">
-              <a:buNone/>
-              <a:defRPr sz="968">
+            <a:lvl7pPr marL="1871960" indent="0">
+              <a:buNone/>
+              <a:defRPr sz="1092">
                 <a:solidFill>
                   <a:schemeClr val="tx1">
                     <a:tint val="75000"/>
@@ -962,9 +973,9 @@
                 </a:solidFill>
               </a:defRPr>
             </a:lvl7pPr>
-            <a:lvl8pPr marL="1937202" indent="0">
-              <a:buNone/>
-              <a:defRPr sz="968">
+            <a:lvl8pPr marL="2183953" indent="0">
+              <a:buNone/>
+              <a:defRPr sz="1092">
                 <a:solidFill>
                   <a:schemeClr val="tx1">
                     <a:tint val="75000"/>
@@ -972,9 +983,9 @@
                 </a:solidFill>
               </a:defRPr>
             </a:lvl8pPr>
-            <a:lvl9pPr marL="2213945" indent="0">
-              <a:buNone/>
-              <a:defRPr sz="968">
+            <a:lvl9pPr marL="2495946" indent="0">
+              <a:buNone/>
+              <a:defRPr sz="1092">
                 <a:solidFill>
                   <a:schemeClr val="tx1">
                     <a:tint val="75000"/>
@@ -1009,7 +1020,7 @@
           <a:p>
             <a:fld id="{9AD14DA8-B110-42A7-BED7-AFDC7EDC40E0}" type="datetimeFigureOut">
               <a:rPr lang="es-MX" smtClean="0"/>
-              <a:t>09/06/2022</a:t>
+              <a:t>11/06/2022</a:t>
             </a:fld>
             <a:endParaRPr lang="es-MX"/>
           </a:p>
@@ -1060,7 +1071,7 @@
     </p:spTree>
     <p:extLst>
       <p:ext uri="{BB962C8B-B14F-4D97-AF65-F5344CB8AC3E}">
-        <p14:creationId xmlns:p14="http://schemas.microsoft.com/office/powerpoint/2010/main" val="1424334721"/>
+        <p14:creationId xmlns:p14="http://schemas.microsoft.com/office/powerpoint/2010/main" val="3221712298"/>
       </p:ext>
     </p:extLst>
   </p:cSld>
@@ -1122,8 +1133,8 @@
         </p:nvSpPr>
         <p:spPr>
           <a:xfrm>
-            <a:off x="507395" y="1149890"/>
-            <a:ext cx="3136622" cy="2740739"/>
+            <a:off x="965240" y="1245820"/>
+            <a:ext cx="5966936" cy="2969385"/>
           </a:xfrm>
         </p:spPr>
         <p:txBody>
@@ -1179,8 +1190,8 @@
         </p:nvSpPr>
         <p:spPr>
           <a:xfrm>
-            <a:off x="3736271" y="1149890"/>
-            <a:ext cx="3136622" cy="2740739"/>
+            <a:off x="7107674" y="1245820"/>
+            <a:ext cx="5966936" cy="2969385"/>
           </a:xfrm>
         </p:spPr>
         <p:txBody>
@@ -1241,7 +1252,7 @@
           <a:p>
             <a:fld id="{9AD14DA8-B110-42A7-BED7-AFDC7EDC40E0}" type="datetimeFigureOut">
               <a:rPr lang="es-MX" smtClean="0"/>
-              <a:t>09/06/2022</a:t>
+              <a:t>11/06/2022</a:t>
             </a:fld>
             <a:endParaRPr lang="es-MX"/>
           </a:p>
@@ -1292,7 +1303,7 @@
     </p:spTree>
     <p:extLst>
       <p:ext uri="{BB962C8B-B14F-4D97-AF65-F5344CB8AC3E}">
-        <p14:creationId xmlns:p14="http://schemas.microsoft.com/office/powerpoint/2010/main" val="693132810"/>
+        <p14:creationId xmlns:p14="http://schemas.microsoft.com/office/powerpoint/2010/main" val="1402797579"/>
       </p:ext>
     </p:extLst>
   </p:cSld>
@@ -1331,8 +1342,8 @@
         </p:nvSpPr>
         <p:spPr>
           <a:xfrm>
-            <a:off x="508356" y="229978"/>
-            <a:ext cx="6365498" cy="834921"/>
+            <a:off x="967068" y="249164"/>
+            <a:ext cx="12109371" cy="904574"/>
           </a:xfrm>
         </p:spPr>
         <p:txBody>
@@ -1359,8 +1370,8 @@
         </p:nvSpPr>
         <p:spPr>
           <a:xfrm>
-            <a:off x="508357" y="1058899"/>
-            <a:ext cx="3122207" cy="518950"/>
+            <a:off x="967069" y="1147238"/>
+            <a:ext cx="5939514" cy="562244"/>
           </a:xfrm>
         </p:spPr>
         <p:txBody>
@@ -1368,39 +1379,39 @@
           <a:lstStyle>
             <a:lvl1pPr marL="0" indent="0">
               <a:buNone/>
-              <a:defRPr sz="1453" b="1"/>
+              <a:defRPr sz="1638" b="1"/>
             </a:lvl1pPr>
-            <a:lvl2pPr marL="276743" indent="0">
-              <a:buNone/>
-              <a:defRPr sz="1211" b="1"/>
+            <a:lvl2pPr marL="311993" indent="0">
+              <a:buNone/>
+              <a:defRPr sz="1365" b="1"/>
             </a:lvl2pPr>
-            <a:lvl3pPr marL="553486" indent="0">
-              <a:buNone/>
-              <a:defRPr sz="1090" b="1"/>
+            <a:lvl3pPr marL="623987" indent="0">
+              <a:buNone/>
+              <a:defRPr sz="1228" b="1"/>
             </a:lvl3pPr>
-            <a:lvl4pPr marL="830229" indent="0">
-              <a:buNone/>
-              <a:defRPr sz="968" b="1"/>
+            <a:lvl4pPr marL="935980" indent="0">
+              <a:buNone/>
+              <a:defRPr sz="1092" b="1"/>
             </a:lvl4pPr>
-            <a:lvl5pPr marL="1106973" indent="0">
-              <a:buNone/>
-              <a:defRPr sz="968" b="1"/>
+            <a:lvl5pPr marL="1247973" indent="0">
+              <a:buNone/>
+              <a:defRPr sz="1092" b="1"/>
             </a:lvl5pPr>
-            <a:lvl6pPr marL="1383716" indent="0">
-              <a:buNone/>
-              <a:defRPr sz="968" b="1"/>
+            <a:lvl6pPr marL="1559966" indent="0">
+              <a:buNone/>
+              <a:defRPr sz="1092" b="1"/>
             </a:lvl6pPr>
-            <a:lvl7pPr marL="1660459" indent="0">
-              <a:buNone/>
-              <a:defRPr sz="968" b="1"/>
+            <a:lvl7pPr marL="1871960" indent="0">
+              <a:buNone/>
+              <a:defRPr sz="1092" b="1"/>
             </a:lvl7pPr>
-            <a:lvl8pPr marL="1937202" indent="0">
-              <a:buNone/>
-              <a:defRPr sz="968" b="1"/>
+            <a:lvl8pPr marL="2183953" indent="0">
+              <a:buNone/>
+              <a:defRPr sz="1092" b="1"/>
             </a:lvl8pPr>
-            <a:lvl9pPr marL="2213945" indent="0">
-              <a:buNone/>
-              <a:defRPr sz="968" b="1"/>
+            <a:lvl9pPr marL="2495946" indent="0">
+              <a:buNone/>
+              <a:defRPr sz="1092" b="1"/>
             </a:lvl9pPr>
           </a:lstStyle>
           <a:p>
@@ -1424,8 +1435,8 @@
         </p:nvSpPr>
         <p:spPr>
           <a:xfrm>
-            <a:off x="508357" y="1577849"/>
-            <a:ext cx="3122207" cy="2320779"/>
+            <a:off x="967069" y="1709482"/>
+            <a:ext cx="5939514" cy="2514390"/>
           </a:xfrm>
         </p:spPr>
         <p:txBody>
@@ -1481,8 +1492,8 @@
         </p:nvSpPr>
         <p:spPr>
           <a:xfrm>
-            <a:off x="3736271" y="1058899"/>
-            <a:ext cx="3137584" cy="518950"/>
+            <a:off x="7107674" y="1147238"/>
+            <a:ext cx="5968765" cy="562244"/>
           </a:xfrm>
         </p:spPr>
         <p:txBody>
@@ -1490,39 +1501,39 @@
           <a:lstStyle>
             <a:lvl1pPr marL="0" indent="0">
               <a:buNone/>
-              <a:defRPr sz="1453" b="1"/>
+              <a:defRPr sz="1638" b="1"/>
             </a:lvl1pPr>
-            <a:lvl2pPr marL="276743" indent="0">
-              <a:buNone/>
-              <a:defRPr sz="1211" b="1"/>
+            <a:lvl2pPr marL="311993" indent="0">
+              <a:buNone/>
+              <a:defRPr sz="1365" b="1"/>
             </a:lvl2pPr>
-            <a:lvl3pPr marL="553486" indent="0">
-              <a:buNone/>
-              <a:defRPr sz="1090" b="1"/>
+            <a:lvl3pPr marL="623987" indent="0">
+              <a:buNone/>
+              <a:defRPr sz="1228" b="1"/>
             </a:lvl3pPr>
-            <a:lvl4pPr marL="830229" indent="0">
-              <a:buNone/>
-              <a:defRPr sz="968" b="1"/>
+            <a:lvl4pPr marL="935980" indent="0">
+              <a:buNone/>
+              <a:defRPr sz="1092" b="1"/>
             </a:lvl4pPr>
-            <a:lvl5pPr marL="1106973" indent="0">
-              <a:buNone/>
-              <a:defRPr sz="968" b="1"/>
+            <a:lvl5pPr marL="1247973" indent="0">
+              <a:buNone/>
+              <a:defRPr sz="1092" b="1"/>
             </a:lvl5pPr>
-            <a:lvl6pPr marL="1383716" indent="0">
-              <a:buNone/>
-              <a:defRPr sz="968" b="1"/>
+            <a:lvl6pPr marL="1559966" indent="0">
+              <a:buNone/>
+              <a:defRPr sz="1092" b="1"/>
             </a:lvl6pPr>
-            <a:lvl7pPr marL="1660459" indent="0">
-              <a:buNone/>
-              <a:defRPr sz="968" b="1"/>
+            <a:lvl7pPr marL="1871960" indent="0">
+              <a:buNone/>
+              <a:defRPr sz="1092" b="1"/>
             </a:lvl7pPr>
-            <a:lvl8pPr marL="1937202" indent="0">
-              <a:buNone/>
-              <a:defRPr sz="968" b="1"/>
+            <a:lvl8pPr marL="2183953" indent="0">
+              <a:buNone/>
+              <a:defRPr sz="1092" b="1"/>
             </a:lvl8pPr>
-            <a:lvl9pPr marL="2213945" indent="0">
-              <a:buNone/>
-              <a:defRPr sz="968" b="1"/>
+            <a:lvl9pPr marL="2495946" indent="0">
+              <a:buNone/>
+              <a:defRPr sz="1092" b="1"/>
             </a:lvl9pPr>
           </a:lstStyle>
           <a:p>
@@ -1546,8 +1557,8 @@
         </p:nvSpPr>
         <p:spPr>
           <a:xfrm>
-            <a:off x="3736271" y="1577849"/>
-            <a:ext cx="3137584" cy="2320779"/>
+            <a:off x="7107674" y="1709482"/>
+            <a:ext cx="5968765" cy="2514390"/>
           </a:xfrm>
         </p:spPr>
         <p:txBody>
@@ -1608,7 +1619,7 @@
           <a:p>
             <a:fld id="{9AD14DA8-B110-42A7-BED7-AFDC7EDC40E0}" type="datetimeFigureOut">
               <a:rPr lang="es-MX" smtClean="0"/>
-              <a:t>09/06/2022</a:t>
+              <a:t>11/06/2022</a:t>
             </a:fld>
             <a:endParaRPr lang="es-MX"/>
           </a:p>
@@ -1659,7 +1670,7 @@
     </p:spTree>
     <p:extLst>
       <p:ext uri="{BB962C8B-B14F-4D97-AF65-F5344CB8AC3E}">
-        <p14:creationId xmlns:p14="http://schemas.microsoft.com/office/powerpoint/2010/main" val="3429412862"/>
+        <p14:creationId xmlns:p14="http://schemas.microsoft.com/office/powerpoint/2010/main" val="983239675"/>
       </p:ext>
     </p:extLst>
   </p:cSld>
@@ -1726,7 +1737,7 @@
           <a:p>
             <a:fld id="{9AD14DA8-B110-42A7-BED7-AFDC7EDC40E0}" type="datetimeFigureOut">
               <a:rPr lang="es-MX" smtClean="0"/>
-              <a:t>09/06/2022</a:t>
+              <a:t>11/06/2022</a:t>
             </a:fld>
             <a:endParaRPr lang="es-MX"/>
           </a:p>
@@ -1777,7 +1788,7 @@
     </p:spTree>
     <p:extLst>
       <p:ext uri="{BB962C8B-B14F-4D97-AF65-F5344CB8AC3E}">
-        <p14:creationId xmlns:p14="http://schemas.microsoft.com/office/powerpoint/2010/main" val="645781414"/>
+        <p14:creationId xmlns:p14="http://schemas.microsoft.com/office/powerpoint/2010/main" val="3522948049"/>
       </p:ext>
     </p:extLst>
   </p:cSld>
@@ -1821,7 +1832,7 @@
           <a:p>
             <a:fld id="{9AD14DA8-B110-42A7-BED7-AFDC7EDC40E0}" type="datetimeFigureOut">
               <a:rPr lang="es-MX" smtClean="0"/>
-              <a:t>09/06/2022</a:t>
+              <a:t>11/06/2022</a:t>
             </a:fld>
             <a:endParaRPr lang="es-MX"/>
           </a:p>
@@ -1872,7 +1883,7 @@
     </p:spTree>
     <p:extLst>
       <p:ext uri="{BB962C8B-B14F-4D97-AF65-F5344CB8AC3E}">
-        <p14:creationId xmlns:p14="http://schemas.microsoft.com/office/powerpoint/2010/main" val="2901621479"/>
+        <p14:creationId xmlns:p14="http://schemas.microsoft.com/office/powerpoint/2010/main" val="3870276580"/>
       </p:ext>
     </p:extLst>
   </p:cSld>
@@ -1911,15 +1922,15 @@
         </p:nvSpPr>
         <p:spPr>
           <a:xfrm>
-            <a:off x="508356" y="287972"/>
-            <a:ext cx="2380335" cy="1007904"/>
+            <a:off x="967069" y="311997"/>
+            <a:ext cx="4528217" cy="1091988"/>
           </a:xfrm>
         </p:spPr>
         <p:txBody>
           <a:bodyPr anchor="b"/>
           <a:lstStyle>
             <a:lvl1pPr>
-              <a:defRPr sz="1937"/>
+              <a:defRPr sz="2184"/>
             </a:lvl1pPr>
           </a:lstStyle>
           <a:p>
@@ -1943,39 +1954,39 @@
         </p:nvSpPr>
         <p:spPr>
           <a:xfrm>
-            <a:off x="3137584" y="621941"/>
-            <a:ext cx="3736271" cy="3069707"/>
+            <a:off x="5968765" y="673826"/>
+            <a:ext cx="7107674" cy="3325798"/>
           </a:xfrm>
         </p:spPr>
         <p:txBody>
           <a:bodyPr/>
           <a:lstStyle>
             <a:lvl1pPr>
-              <a:defRPr sz="1937"/>
+              <a:defRPr sz="2184"/>
             </a:lvl1pPr>
             <a:lvl2pPr>
-              <a:defRPr sz="1695"/>
+              <a:defRPr sz="1911"/>
             </a:lvl2pPr>
             <a:lvl3pPr>
-              <a:defRPr sz="1453"/>
+              <a:defRPr sz="1638"/>
             </a:lvl3pPr>
             <a:lvl4pPr>
-              <a:defRPr sz="1211"/>
+              <a:defRPr sz="1365"/>
             </a:lvl4pPr>
             <a:lvl5pPr>
-              <a:defRPr sz="1211"/>
+              <a:defRPr sz="1365"/>
             </a:lvl5pPr>
             <a:lvl6pPr>
-              <a:defRPr sz="1211"/>
+              <a:defRPr sz="1365"/>
             </a:lvl6pPr>
             <a:lvl7pPr>
-              <a:defRPr sz="1211"/>
+              <a:defRPr sz="1365"/>
             </a:lvl7pPr>
             <a:lvl8pPr>
-              <a:defRPr sz="1211"/>
+              <a:defRPr sz="1365"/>
             </a:lvl8pPr>
             <a:lvl9pPr>
-              <a:defRPr sz="1211"/>
+              <a:defRPr sz="1365"/>
             </a:lvl9pPr>
           </a:lstStyle>
           <a:p>
@@ -2028,8 +2039,8 @@
         </p:nvSpPr>
         <p:spPr>
           <a:xfrm>
-            <a:off x="508356" y="1295877"/>
-            <a:ext cx="2380335" cy="2400771"/>
+            <a:off x="967069" y="1403985"/>
+            <a:ext cx="4528217" cy="2601056"/>
           </a:xfrm>
         </p:spPr>
         <p:txBody>
@@ -2037,39 +2048,39 @@
           <a:lstStyle>
             <a:lvl1pPr marL="0" indent="0">
               <a:buNone/>
-              <a:defRPr sz="968"/>
+              <a:defRPr sz="1092"/>
             </a:lvl1pPr>
-            <a:lvl2pPr marL="276743" indent="0">
-              <a:buNone/>
-              <a:defRPr sz="847"/>
+            <a:lvl2pPr marL="311993" indent="0">
+              <a:buNone/>
+              <a:defRPr sz="955"/>
             </a:lvl2pPr>
-            <a:lvl3pPr marL="553486" indent="0">
-              <a:buNone/>
-              <a:defRPr sz="726"/>
+            <a:lvl3pPr marL="623987" indent="0">
+              <a:buNone/>
+              <a:defRPr sz="819"/>
             </a:lvl3pPr>
-            <a:lvl4pPr marL="830229" indent="0">
-              <a:buNone/>
-              <a:defRPr sz="605"/>
+            <a:lvl4pPr marL="935980" indent="0">
+              <a:buNone/>
+              <a:defRPr sz="682"/>
             </a:lvl4pPr>
-            <a:lvl5pPr marL="1106973" indent="0">
-              <a:buNone/>
-              <a:defRPr sz="605"/>
+            <a:lvl5pPr marL="1247973" indent="0">
+              <a:buNone/>
+              <a:defRPr sz="682"/>
             </a:lvl5pPr>
-            <a:lvl6pPr marL="1383716" indent="0">
-              <a:buNone/>
-              <a:defRPr sz="605"/>
+            <a:lvl6pPr marL="1559966" indent="0">
+              <a:buNone/>
+              <a:defRPr sz="682"/>
             </a:lvl6pPr>
-            <a:lvl7pPr marL="1660459" indent="0">
-              <a:buNone/>
-              <a:defRPr sz="605"/>
+            <a:lvl7pPr marL="1871960" indent="0">
+              <a:buNone/>
+              <a:defRPr sz="682"/>
             </a:lvl7pPr>
-            <a:lvl8pPr marL="1937202" indent="0">
-              <a:buNone/>
-              <a:defRPr sz="605"/>
+            <a:lvl8pPr marL="2183953" indent="0">
+              <a:buNone/>
+              <a:defRPr sz="682"/>
             </a:lvl8pPr>
-            <a:lvl9pPr marL="2213945" indent="0">
-              <a:buNone/>
-              <a:defRPr sz="605"/>
+            <a:lvl9pPr marL="2495946" indent="0">
+              <a:buNone/>
+              <a:defRPr sz="682"/>
             </a:lvl9pPr>
           </a:lstStyle>
           <a:p>
@@ -2098,7 +2109,7 @@
           <a:p>
             <a:fld id="{9AD14DA8-B110-42A7-BED7-AFDC7EDC40E0}" type="datetimeFigureOut">
               <a:rPr lang="es-MX" smtClean="0"/>
-              <a:t>09/06/2022</a:t>
+              <a:t>11/06/2022</a:t>
             </a:fld>
             <a:endParaRPr lang="es-MX"/>
           </a:p>
@@ -2149,7 +2160,7 @@
     </p:spTree>
     <p:extLst>
       <p:ext uri="{BB962C8B-B14F-4D97-AF65-F5344CB8AC3E}">
-        <p14:creationId xmlns:p14="http://schemas.microsoft.com/office/powerpoint/2010/main" val="3466577317"/>
+        <p14:creationId xmlns:p14="http://schemas.microsoft.com/office/powerpoint/2010/main" val="1393244038"/>
       </p:ext>
     </p:extLst>
   </p:cSld>
@@ -2188,15 +2199,15 @@
         </p:nvSpPr>
         <p:spPr>
           <a:xfrm>
-            <a:off x="508356" y="287972"/>
-            <a:ext cx="2380335" cy="1007904"/>
+            <a:off x="967069" y="311997"/>
+            <a:ext cx="4528217" cy="1091988"/>
           </a:xfrm>
         </p:spPr>
         <p:txBody>
           <a:bodyPr anchor="b"/>
           <a:lstStyle>
             <a:lvl1pPr>
-              <a:defRPr sz="1937"/>
+              <a:defRPr sz="2184"/>
             </a:lvl1pPr>
           </a:lstStyle>
           <a:p>
@@ -2220,8 +2231,8 @@
         </p:nvSpPr>
         <p:spPr>
           <a:xfrm>
-            <a:off x="3137584" y="621941"/>
-            <a:ext cx="3736271" cy="3069707"/>
+            <a:off x="5968765" y="673826"/>
+            <a:ext cx="7107674" cy="3325798"/>
           </a:xfrm>
         </p:spPr>
         <p:txBody>
@@ -2229,39 +2240,39 @@
           <a:lstStyle>
             <a:lvl1pPr marL="0" indent="0">
               <a:buNone/>
-              <a:defRPr sz="1937"/>
+              <a:defRPr sz="2184"/>
             </a:lvl1pPr>
-            <a:lvl2pPr marL="276743" indent="0">
-              <a:buNone/>
-              <a:defRPr sz="1695"/>
+            <a:lvl2pPr marL="311993" indent="0">
+              <a:buNone/>
+              <a:defRPr sz="1911"/>
             </a:lvl2pPr>
-            <a:lvl3pPr marL="553486" indent="0">
-              <a:buNone/>
-              <a:defRPr sz="1453"/>
+            <a:lvl3pPr marL="623987" indent="0">
+              <a:buNone/>
+              <a:defRPr sz="1638"/>
             </a:lvl3pPr>
-            <a:lvl4pPr marL="830229" indent="0">
-              <a:buNone/>
-              <a:defRPr sz="1211"/>
+            <a:lvl4pPr marL="935980" indent="0">
+              <a:buNone/>
+              <a:defRPr sz="1365"/>
             </a:lvl4pPr>
-            <a:lvl5pPr marL="1106973" indent="0">
-              <a:buNone/>
-              <a:defRPr sz="1211"/>
+            <a:lvl5pPr marL="1247973" indent="0">
+              <a:buNone/>
+              <a:defRPr sz="1365"/>
             </a:lvl5pPr>
-            <a:lvl6pPr marL="1383716" indent="0">
-              <a:buNone/>
-              <a:defRPr sz="1211"/>
+            <a:lvl6pPr marL="1559966" indent="0">
+              <a:buNone/>
+              <a:defRPr sz="1365"/>
             </a:lvl6pPr>
-            <a:lvl7pPr marL="1660459" indent="0">
-              <a:buNone/>
-              <a:defRPr sz="1211"/>
+            <a:lvl7pPr marL="1871960" indent="0">
+              <a:buNone/>
+              <a:defRPr sz="1365"/>
             </a:lvl7pPr>
-            <a:lvl8pPr marL="1937202" indent="0">
-              <a:buNone/>
-              <a:defRPr sz="1211"/>
+            <a:lvl8pPr marL="2183953" indent="0">
+              <a:buNone/>
+              <a:defRPr sz="1365"/>
             </a:lvl8pPr>
-            <a:lvl9pPr marL="2213945" indent="0">
-              <a:buNone/>
-              <a:defRPr sz="1211"/>
+            <a:lvl9pPr marL="2495946" indent="0">
+              <a:buNone/>
+              <a:defRPr sz="1365"/>
             </a:lvl9pPr>
           </a:lstStyle>
           <a:p>
@@ -2285,8 +2296,8 @@
         </p:nvSpPr>
         <p:spPr>
           <a:xfrm>
-            <a:off x="508356" y="1295877"/>
-            <a:ext cx="2380335" cy="2400771"/>
+            <a:off x="967069" y="1403985"/>
+            <a:ext cx="4528217" cy="2601056"/>
           </a:xfrm>
         </p:spPr>
         <p:txBody>
@@ -2294,39 +2305,39 @@
           <a:lstStyle>
             <a:lvl1pPr marL="0" indent="0">
               <a:buNone/>
-              <a:defRPr sz="968"/>
+              <a:defRPr sz="1092"/>
             </a:lvl1pPr>
-            <a:lvl2pPr marL="276743" indent="0">
-              <a:buNone/>
-              <a:defRPr sz="847"/>
+            <a:lvl2pPr marL="311993" indent="0">
+              <a:buNone/>
+              <a:defRPr sz="955"/>
             </a:lvl2pPr>
-            <a:lvl3pPr marL="553486" indent="0">
-              <a:buNone/>
-              <a:defRPr sz="726"/>
+            <a:lvl3pPr marL="623987" indent="0">
+              <a:buNone/>
+              <a:defRPr sz="819"/>
             </a:lvl3pPr>
-            <a:lvl4pPr marL="830229" indent="0">
-              <a:buNone/>
-              <a:defRPr sz="605"/>
+            <a:lvl4pPr marL="935980" indent="0">
+              <a:buNone/>
+              <a:defRPr sz="682"/>
             </a:lvl4pPr>
-            <a:lvl5pPr marL="1106973" indent="0">
-              <a:buNone/>
-              <a:defRPr sz="605"/>
+            <a:lvl5pPr marL="1247973" indent="0">
+              <a:buNone/>
+              <a:defRPr sz="682"/>
             </a:lvl5pPr>
-            <a:lvl6pPr marL="1383716" indent="0">
-              <a:buNone/>
-              <a:defRPr sz="605"/>
+            <a:lvl6pPr marL="1559966" indent="0">
+              <a:buNone/>
+              <a:defRPr sz="682"/>
             </a:lvl6pPr>
-            <a:lvl7pPr marL="1660459" indent="0">
-              <a:buNone/>
-              <a:defRPr sz="605"/>
+            <a:lvl7pPr marL="1871960" indent="0">
+              <a:buNone/>
+              <a:defRPr sz="682"/>
             </a:lvl7pPr>
-            <a:lvl8pPr marL="1937202" indent="0">
-              <a:buNone/>
-              <a:defRPr sz="605"/>
+            <a:lvl8pPr marL="2183953" indent="0">
+              <a:buNone/>
+              <a:defRPr sz="682"/>
             </a:lvl8pPr>
-            <a:lvl9pPr marL="2213945" indent="0">
-              <a:buNone/>
-              <a:defRPr sz="605"/>
+            <a:lvl9pPr marL="2495946" indent="0">
+              <a:buNone/>
+              <a:defRPr sz="682"/>
             </a:lvl9pPr>
           </a:lstStyle>
           <a:p>
@@ -2355,7 +2366,7 @@
           <a:p>
             <a:fld id="{9AD14DA8-B110-42A7-BED7-AFDC7EDC40E0}" type="datetimeFigureOut">
               <a:rPr lang="es-MX" smtClean="0"/>
-              <a:t>09/06/2022</a:t>
+              <a:t>11/06/2022</a:t>
             </a:fld>
             <a:endParaRPr lang="es-MX"/>
           </a:p>
@@ -2406,7 +2417,7 @@
     </p:spTree>
     <p:extLst>
       <p:ext uri="{BB962C8B-B14F-4D97-AF65-F5344CB8AC3E}">
-        <p14:creationId xmlns:p14="http://schemas.microsoft.com/office/powerpoint/2010/main" val="3432512636"/>
+        <p14:creationId xmlns:p14="http://schemas.microsoft.com/office/powerpoint/2010/main" val="2428790507"/>
       </p:ext>
     </p:extLst>
   </p:cSld>
@@ -2450,8 +2461,8 @@
         </p:nvSpPr>
         <p:spPr>
           <a:xfrm>
-            <a:off x="507395" y="229978"/>
-            <a:ext cx="6365498" cy="834921"/>
+            <a:off x="965240" y="249164"/>
+            <a:ext cx="12109371" cy="904574"/>
           </a:xfrm>
           <a:prstGeom prst="rect">
             <a:avLst/>
@@ -2483,8 +2494,8 @@
         </p:nvSpPr>
         <p:spPr>
           <a:xfrm>
-            <a:off x="507395" y="1149890"/>
-            <a:ext cx="6365498" cy="2740739"/>
+            <a:off x="965240" y="1245820"/>
+            <a:ext cx="12109371" cy="2969385"/>
           </a:xfrm>
           <a:prstGeom prst="rect">
             <a:avLst/>
@@ -2545,8 +2556,8 @@
         </p:nvSpPr>
         <p:spPr>
           <a:xfrm>
-            <a:off x="507395" y="4003618"/>
-            <a:ext cx="1660565" cy="229978"/>
+            <a:off x="965240" y="4337621"/>
+            <a:ext cx="3158966" cy="249164"/>
           </a:xfrm>
           <a:prstGeom prst="rect">
             <a:avLst/>
@@ -2556,7 +2567,7 @@
           <a:bodyPr vert="horz" lIns="91440" tIns="45720" rIns="91440" bIns="45720" rtlCol="0" anchor="ctr"/>
           <a:lstStyle>
             <a:lvl1pPr algn="l">
-              <a:defRPr sz="726">
+              <a:defRPr sz="819">
                 <a:solidFill>
                   <a:schemeClr val="tx1">
                     <a:tint val="75000"/>
@@ -2568,7 +2579,7 @@
           <a:p>
             <a:fld id="{9AD14DA8-B110-42A7-BED7-AFDC7EDC40E0}" type="datetimeFigureOut">
               <a:rPr lang="es-MX" smtClean="0"/>
-              <a:t>09/06/2022</a:t>
+              <a:t>11/06/2022</a:t>
             </a:fld>
             <a:endParaRPr lang="es-MX"/>
           </a:p>
@@ -2586,8 +2597,8 @@
         </p:nvSpPr>
         <p:spPr>
           <a:xfrm>
-            <a:off x="2444721" y="4003618"/>
-            <a:ext cx="2490847" cy="229978"/>
+            <a:off x="4650701" y="4337621"/>
+            <a:ext cx="4738449" cy="249164"/>
           </a:xfrm>
           <a:prstGeom prst="rect">
             <a:avLst/>
@@ -2597,7 +2608,7 @@
           <a:bodyPr vert="horz" lIns="91440" tIns="45720" rIns="91440" bIns="45720" rtlCol="0" anchor="ctr"/>
           <a:lstStyle>
             <a:lvl1pPr algn="ctr">
-              <a:defRPr sz="726">
+              <a:defRPr sz="819">
                 <a:solidFill>
                   <a:schemeClr val="tx1">
                     <a:tint val="75000"/>
@@ -2623,8 +2634,8 @@
         </p:nvSpPr>
         <p:spPr>
           <a:xfrm>
-            <a:off x="5212328" y="4003618"/>
-            <a:ext cx="1660565" cy="229978"/>
+            <a:off x="9915644" y="4337621"/>
+            <a:ext cx="3158966" cy="249164"/>
           </a:xfrm>
           <a:prstGeom prst="rect">
             <a:avLst/>
@@ -2634,7 +2645,7 @@
           <a:bodyPr vert="horz" lIns="91440" tIns="45720" rIns="91440" bIns="45720" rtlCol="0" anchor="ctr"/>
           <a:lstStyle>
             <a:lvl1pPr algn="r">
-              <a:defRPr sz="726">
+              <a:defRPr sz="819">
                 <a:solidFill>
                   <a:schemeClr val="tx1">
                     <a:tint val="75000"/>
@@ -2655,27 +2666,27 @@
     </p:spTree>
     <p:extLst>
       <p:ext uri="{BB962C8B-B14F-4D97-AF65-F5344CB8AC3E}">
-        <p14:creationId xmlns:p14="http://schemas.microsoft.com/office/powerpoint/2010/main" val="417401972"/>
+        <p14:creationId xmlns:p14="http://schemas.microsoft.com/office/powerpoint/2010/main" val="92286126"/>
       </p:ext>
     </p:extLst>
   </p:cSld>
   <p:clrMap bg1="lt1" tx1="dk1" bg2="lt2" tx2="dk2" accent1="accent1" accent2="accent2" accent3="accent3" accent4="accent4" accent5="accent5" accent6="accent6" hlink="hlink" folHlink="folHlink"/>
   <p:sldLayoutIdLst>
-    <p:sldLayoutId id="2147483661" r:id="rId1"/>
-    <p:sldLayoutId id="2147483662" r:id="rId2"/>
-    <p:sldLayoutId id="2147483663" r:id="rId3"/>
-    <p:sldLayoutId id="2147483664" r:id="rId4"/>
-    <p:sldLayoutId id="2147483665" r:id="rId5"/>
-    <p:sldLayoutId id="2147483666" r:id="rId6"/>
-    <p:sldLayoutId id="2147483667" r:id="rId7"/>
-    <p:sldLayoutId id="2147483668" r:id="rId8"/>
-    <p:sldLayoutId id="2147483669" r:id="rId9"/>
-    <p:sldLayoutId id="2147483670" r:id="rId10"/>
-    <p:sldLayoutId id="2147483671" r:id="rId11"/>
+    <p:sldLayoutId id="2147483709" r:id="rId1"/>
+    <p:sldLayoutId id="2147483710" r:id="rId2"/>
+    <p:sldLayoutId id="2147483711" r:id="rId3"/>
+    <p:sldLayoutId id="2147483712" r:id="rId4"/>
+    <p:sldLayoutId id="2147483713" r:id="rId5"/>
+    <p:sldLayoutId id="2147483714" r:id="rId6"/>
+    <p:sldLayoutId id="2147483715" r:id="rId7"/>
+    <p:sldLayoutId id="2147483716" r:id="rId8"/>
+    <p:sldLayoutId id="2147483717" r:id="rId9"/>
+    <p:sldLayoutId id="2147483718" r:id="rId10"/>
+    <p:sldLayoutId id="2147483719" r:id="rId11"/>
   </p:sldLayoutIdLst>
   <p:txStyles>
     <p:titleStyle>
-      <a:lvl1pPr algn="l" defTabSz="553486" rtl="0" eaLnBrk="1" latinLnBrk="0" hangingPunct="1">
+      <a:lvl1pPr algn="l" defTabSz="623987" rtl="0" eaLnBrk="1" latinLnBrk="0" hangingPunct="1">
         <a:lnSpc>
           <a:spcPct val="90000"/>
         </a:lnSpc>
@@ -2683,7 +2694,7 @@
           <a:spcPct val="0"/>
         </a:spcBef>
         <a:buNone/>
-        <a:defRPr sz="2663" kern="1200">
+        <a:defRPr sz="3003" kern="1200">
           <a:solidFill>
             <a:schemeClr val="tx1"/>
           </a:solidFill>
@@ -2694,16 +2705,16 @@
       </a:lvl1pPr>
     </p:titleStyle>
     <p:bodyStyle>
-      <a:lvl1pPr marL="138372" indent="-138372" algn="l" defTabSz="553486" rtl="0" eaLnBrk="1" latinLnBrk="0" hangingPunct="1">
+      <a:lvl1pPr marL="155997" indent="-155997" algn="l" defTabSz="623987" rtl="0" eaLnBrk="1" latinLnBrk="0" hangingPunct="1">
         <a:lnSpc>
           <a:spcPct val="90000"/>
         </a:lnSpc>
         <a:spcBef>
-          <a:spcPts val="605"/>
+          <a:spcPts val="682"/>
         </a:spcBef>
         <a:buFont typeface="Arial" panose="020B0604020202020204" pitchFamily="34" charset="0"/>
         <a:buChar char="•"/>
-        <a:defRPr sz="1695" kern="1200">
+        <a:defRPr sz="1911" kern="1200">
           <a:solidFill>
             <a:schemeClr val="tx1"/>
           </a:solidFill>
@@ -2712,16 +2723,16 @@
           <a:cs typeface="+mn-cs"/>
         </a:defRPr>
       </a:lvl1pPr>
-      <a:lvl2pPr marL="415115" indent="-138372" algn="l" defTabSz="553486" rtl="0" eaLnBrk="1" latinLnBrk="0" hangingPunct="1">
+      <a:lvl2pPr marL="467990" indent="-155997" algn="l" defTabSz="623987" rtl="0" eaLnBrk="1" latinLnBrk="0" hangingPunct="1">
         <a:lnSpc>
           <a:spcPct val="90000"/>
         </a:lnSpc>
         <a:spcBef>
-          <a:spcPts val="303"/>
+          <a:spcPts val="341"/>
         </a:spcBef>
         <a:buFont typeface="Arial" panose="020B0604020202020204" pitchFamily="34" charset="0"/>
         <a:buChar char="•"/>
-        <a:defRPr sz="1453" kern="1200">
+        <a:defRPr sz="1638" kern="1200">
           <a:solidFill>
             <a:schemeClr val="tx1"/>
           </a:solidFill>
@@ -2730,16 +2741,16 @@
           <a:cs typeface="+mn-cs"/>
         </a:defRPr>
       </a:lvl2pPr>
-      <a:lvl3pPr marL="691858" indent="-138372" algn="l" defTabSz="553486" rtl="0" eaLnBrk="1" latinLnBrk="0" hangingPunct="1">
+      <a:lvl3pPr marL="779983" indent="-155997" algn="l" defTabSz="623987" rtl="0" eaLnBrk="1" latinLnBrk="0" hangingPunct="1">
         <a:lnSpc>
           <a:spcPct val="90000"/>
         </a:lnSpc>
         <a:spcBef>
-          <a:spcPts val="303"/>
+          <a:spcPts val="341"/>
         </a:spcBef>
         <a:buFont typeface="Arial" panose="020B0604020202020204" pitchFamily="34" charset="0"/>
         <a:buChar char="•"/>
-        <a:defRPr sz="1211" kern="1200">
+        <a:defRPr sz="1365" kern="1200">
           <a:solidFill>
             <a:schemeClr val="tx1"/>
           </a:solidFill>
@@ -2748,16 +2759,16 @@
           <a:cs typeface="+mn-cs"/>
         </a:defRPr>
       </a:lvl3pPr>
-      <a:lvl4pPr marL="968601" indent="-138372" algn="l" defTabSz="553486" rtl="0" eaLnBrk="1" latinLnBrk="0" hangingPunct="1">
+      <a:lvl4pPr marL="1091976" indent="-155997" algn="l" defTabSz="623987" rtl="0" eaLnBrk="1" latinLnBrk="0" hangingPunct="1">
         <a:lnSpc>
           <a:spcPct val="90000"/>
         </a:lnSpc>
         <a:spcBef>
-          <a:spcPts val="303"/>
+          <a:spcPts val="341"/>
         </a:spcBef>
         <a:buFont typeface="Arial" panose="020B0604020202020204" pitchFamily="34" charset="0"/>
         <a:buChar char="•"/>
-        <a:defRPr sz="1090" kern="1200">
+        <a:defRPr sz="1228" kern="1200">
           <a:solidFill>
             <a:schemeClr val="tx1"/>
           </a:solidFill>
@@ -2766,16 +2777,16 @@
           <a:cs typeface="+mn-cs"/>
         </a:defRPr>
       </a:lvl4pPr>
-      <a:lvl5pPr marL="1245344" indent="-138372" algn="l" defTabSz="553486" rtl="0" eaLnBrk="1" latinLnBrk="0" hangingPunct="1">
+      <a:lvl5pPr marL="1403970" indent="-155997" algn="l" defTabSz="623987" rtl="0" eaLnBrk="1" latinLnBrk="0" hangingPunct="1">
         <a:lnSpc>
           <a:spcPct val="90000"/>
         </a:lnSpc>
         <a:spcBef>
-          <a:spcPts val="303"/>
+          <a:spcPts val="341"/>
         </a:spcBef>
         <a:buFont typeface="Arial" panose="020B0604020202020204" pitchFamily="34" charset="0"/>
         <a:buChar char="•"/>
-        <a:defRPr sz="1090" kern="1200">
+        <a:defRPr sz="1228" kern="1200">
           <a:solidFill>
             <a:schemeClr val="tx1"/>
           </a:solidFill>
@@ -2784,16 +2795,16 @@
           <a:cs typeface="+mn-cs"/>
         </a:defRPr>
       </a:lvl5pPr>
-      <a:lvl6pPr marL="1522087" indent="-138372" algn="l" defTabSz="553486" rtl="0" eaLnBrk="1" latinLnBrk="0" hangingPunct="1">
+      <a:lvl6pPr marL="1715963" indent="-155997" algn="l" defTabSz="623987" rtl="0" eaLnBrk="1" latinLnBrk="0" hangingPunct="1">
         <a:lnSpc>
           <a:spcPct val="90000"/>
         </a:lnSpc>
         <a:spcBef>
-          <a:spcPts val="303"/>
+          <a:spcPts val="341"/>
         </a:spcBef>
         <a:buFont typeface="Arial" panose="020B0604020202020204" pitchFamily="34" charset="0"/>
         <a:buChar char="•"/>
-        <a:defRPr sz="1090" kern="1200">
+        <a:defRPr sz="1228" kern="1200">
           <a:solidFill>
             <a:schemeClr val="tx1"/>
           </a:solidFill>
@@ -2802,16 +2813,16 @@
           <a:cs typeface="+mn-cs"/>
         </a:defRPr>
       </a:lvl6pPr>
-      <a:lvl7pPr marL="1798831" indent="-138372" algn="l" defTabSz="553486" rtl="0" eaLnBrk="1" latinLnBrk="0" hangingPunct="1">
+      <a:lvl7pPr marL="2027956" indent="-155997" algn="l" defTabSz="623987" rtl="0" eaLnBrk="1" latinLnBrk="0" hangingPunct="1">
         <a:lnSpc>
           <a:spcPct val="90000"/>
         </a:lnSpc>
         <a:spcBef>
-          <a:spcPts val="303"/>
+          <a:spcPts val="341"/>
         </a:spcBef>
         <a:buFont typeface="Arial" panose="020B0604020202020204" pitchFamily="34" charset="0"/>
         <a:buChar char="•"/>
-        <a:defRPr sz="1090" kern="1200">
+        <a:defRPr sz="1228" kern="1200">
           <a:solidFill>
             <a:schemeClr val="tx1"/>
           </a:solidFill>
@@ -2820,16 +2831,16 @@
           <a:cs typeface="+mn-cs"/>
         </a:defRPr>
       </a:lvl7pPr>
-      <a:lvl8pPr marL="2075574" indent="-138372" algn="l" defTabSz="553486" rtl="0" eaLnBrk="1" latinLnBrk="0" hangingPunct="1">
+      <a:lvl8pPr marL="2339950" indent="-155997" algn="l" defTabSz="623987" rtl="0" eaLnBrk="1" latinLnBrk="0" hangingPunct="1">
         <a:lnSpc>
           <a:spcPct val="90000"/>
         </a:lnSpc>
         <a:spcBef>
-          <a:spcPts val="303"/>
+          <a:spcPts val="341"/>
         </a:spcBef>
         <a:buFont typeface="Arial" panose="020B0604020202020204" pitchFamily="34" charset="0"/>
         <a:buChar char="•"/>
-        <a:defRPr sz="1090" kern="1200">
+        <a:defRPr sz="1228" kern="1200">
           <a:solidFill>
             <a:schemeClr val="tx1"/>
           </a:solidFill>
@@ -2838,16 +2849,16 @@
           <a:cs typeface="+mn-cs"/>
         </a:defRPr>
       </a:lvl8pPr>
-      <a:lvl9pPr marL="2352317" indent="-138372" algn="l" defTabSz="553486" rtl="0" eaLnBrk="1" latinLnBrk="0" hangingPunct="1">
+      <a:lvl9pPr marL="2651943" indent="-155997" algn="l" defTabSz="623987" rtl="0" eaLnBrk="1" latinLnBrk="0" hangingPunct="1">
         <a:lnSpc>
           <a:spcPct val="90000"/>
         </a:lnSpc>
         <a:spcBef>
-          <a:spcPts val="303"/>
+          <a:spcPts val="341"/>
         </a:spcBef>
         <a:buFont typeface="Arial" panose="020B0604020202020204" pitchFamily="34" charset="0"/>
         <a:buChar char="•"/>
-        <a:defRPr sz="1090" kern="1200">
+        <a:defRPr sz="1228" kern="1200">
           <a:solidFill>
             <a:schemeClr val="tx1"/>
           </a:solidFill>
@@ -2861,8 +2872,8 @@
       <a:defPPr>
         <a:defRPr lang="en-US"/>
       </a:defPPr>
-      <a:lvl1pPr marL="0" algn="l" defTabSz="553486" rtl="0" eaLnBrk="1" latinLnBrk="0" hangingPunct="1">
-        <a:defRPr sz="1090" kern="1200">
+      <a:lvl1pPr marL="0" algn="l" defTabSz="623987" rtl="0" eaLnBrk="1" latinLnBrk="0" hangingPunct="1">
+        <a:defRPr sz="1228" kern="1200">
           <a:solidFill>
             <a:schemeClr val="tx1"/>
           </a:solidFill>
@@ -2871,8 +2882,8 @@
           <a:cs typeface="+mn-cs"/>
         </a:defRPr>
       </a:lvl1pPr>
-      <a:lvl2pPr marL="276743" algn="l" defTabSz="553486" rtl="0" eaLnBrk="1" latinLnBrk="0" hangingPunct="1">
-        <a:defRPr sz="1090" kern="1200">
+      <a:lvl2pPr marL="311993" algn="l" defTabSz="623987" rtl="0" eaLnBrk="1" latinLnBrk="0" hangingPunct="1">
+        <a:defRPr sz="1228" kern="1200">
           <a:solidFill>
             <a:schemeClr val="tx1"/>
           </a:solidFill>
@@ -2881,8 +2892,8 @@
           <a:cs typeface="+mn-cs"/>
         </a:defRPr>
       </a:lvl2pPr>
-      <a:lvl3pPr marL="553486" algn="l" defTabSz="553486" rtl="0" eaLnBrk="1" latinLnBrk="0" hangingPunct="1">
-        <a:defRPr sz="1090" kern="1200">
+      <a:lvl3pPr marL="623987" algn="l" defTabSz="623987" rtl="0" eaLnBrk="1" latinLnBrk="0" hangingPunct="1">
+        <a:defRPr sz="1228" kern="1200">
           <a:solidFill>
             <a:schemeClr val="tx1"/>
           </a:solidFill>
@@ -2891,8 +2902,8 @@
           <a:cs typeface="+mn-cs"/>
         </a:defRPr>
       </a:lvl3pPr>
-      <a:lvl4pPr marL="830229" algn="l" defTabSz="553486" rtl="0" eaLnBrk="1" latinLnBrk="0" hangingPunct="1">
-        <a:defRPr sz="1090" kern="1200">
+      <a:lvl4pPr marL="935980" algn="l" defTabSz="623987" rtl="0" eaLnBrk="1" latinLnBrk="0" hangingPunct="1">
+        <a:defRPr sz="1228" kern="1200">
           <a:solidFill>
             <a:schemeClr val="tx1"/>
           </a:solidFill>
@@ -2901,8 +2912,8 @@
           <a:cs typeface="+mn-cs"/>
         </a:defRPr>
       </a:lvl4pPr>
-      <a:lvl5pPr marL="1106973" algn="l" defTabSz="553486" rtl="0" eaLnBrk="1" latinLnBrk="0" hangingPunct="1">
-        <a:defRPr sz="1090" kern="1200">
+      <a:lvl5pPr marL="1247973" algn="l" defTabSz="623987" rtl="0" eaLnBrk="1" latinLnBrk="0" hangingPunct="1">
+        <a:defRPr sz="1228" kern="1200">
           <a:solidFill>
             <a:schemeClr val="tx1"/>
           </a:solidFill>
@@ -2911,8 +2922,8 @@
           <a:cs typeface="+mn-cs"/>
         </a:defRPr>
       </a:lvl5pPr>
-      <a:lvl6pPr marL="1383716" algn="l" defTabSz="553486" rtl="0" eaLnBrk="1" latinLnBrk="0" hangingPunct="1">
-        <a:defRPr sz="1090" kern="1200">
+      <a:lvl6pPr marL="1559966" algn="l" defTabSz="623987" rtl="0" eaLnBrk="1" latinLnBrk="0" hangingPunct="1">
+        <a:defRPr sz="1228" kern="1200">
           <a:solidFill>
             <a:schemeClr val="tx1"/>
           </a:solidFill>
@@ -2921,8 +2932,8 @@
           <a:cs typeface="+mn-cs"/>
         </a:defRPr>
       </a:lvl6pPr>
-      <a:lvl7pPr marL="1660459" algn="l" defTabSz="553486" rtl="0" eaLnBrk="1" latinLnBrk="0" hangingPunct="1">
-        <a:defRPr sz="1090" kern="1200">
+      <a:lvl7pPr marL="1871960" algn="l" defTabSz="623987" rtl="0" eaLnBrk="1" latinLnBrk="0" hangingPunct="1">
+        <a:defRPr sz="1228" kern="1200">
           <a:solidFill>
             <a:schemeClr val="tx1"/>
           </a:solidFill>
@@ -2931,8 +2942,8 @@
           <a:cs typeface="+mn-cs"/>
         </a:defRPr>
       </a:lvl7pPr>
-      <a:lvl8pPr marL="1937202" algn="l" defTabSz="553486" rtl="0" eaLnBrk="1" latinLnBrk="0" hangingPunct="1">
-        <a:defRPr sz="1090" kern="1200">
+      <a:lvl8pPr marL="2183953" algn="l" defTabSz="623987" rtl="0" eaLnBrk="1" latinLnBrk="0" hangingPunct="1">
+        <a:defRPr sz="1228" kern="1200">
           <a:solidFill>
             <a:schemeClr val="tx1"/>
           </a:solidFill>
@@ -2941,8 +2952,8 @@
           <a:cs typeface="+mn-cs"/>
         </a:defRPr>
       </a:lvl8pPr>
-      <a:lvl9pPr marL="2213945" algn="l" defTabSz="553486" rtl="0" eaLnBrk="1" latinLnBrk="0" hangingPunct="1">
-        <a:defRPr sz="1090" kern="1200">
+      <a:lvl9pPr marL="2495946" algn="l" defTabSz="623987" rtl="0" eaLnBrk="1" latinLnBrk="0" hangingPunct="1">
+        <a:defRPr sz="1228" kern="1200">
           <a:solidFill>
             <a:schemeClr val="tx1"/>
           </a:solidFill>
@@ -2973,132 +2984,106 @@
           <a:chExt cx="0" cy="0"/>
         </a:xfrm>
       </p:grpSpPr>
-      <p:pic>
-        <p:nvPicPr>
-          <p:cNvPr id="8" name="Imagen 7"/>
-          <p:cNvPicPr>
-            <a:picLocks noChangeAspect="1"/>
-          </p:cNvPicPr>
+      <p:grpSp>
+        <p:nvGrpSpPr>
+          <p:cNvPr id="4" name="Grupo 3"/>
+          <p:cNvGrpSpPr/>
           <p:nvPr/>
-        </p:nvPicPr>
-        <p:blipFill rotWithShape="1">
-          <a:blip r:embed="rId2" cstate="print">
-            <a:extLst>
-              <a:ext uri="{28A0092B-C50C-407E-A947-70E740481C1C}">
-                <a14:useLocalDpi xmlns:a14="http://schemas.microsoft.com/office/drawing/2010/main" val="0"/>
-              </a:ext>
-            </a:extLst>
-          </a:blip>
-          <a:srcRect l="61113" t="56523" r="9882" b="3636"/>
-          <a:stretch/>
-        </p:blipFill>
+        </p:nvGrpSpPr>
+        <p:grpSpPr>
+          <a:xfrm>
+            <a:off x="117567" y="26126"/>
+            <a:ext cx="13807440" cy="4663440"/>
+            <a:chOff x="4686300" y="1485900"/>
+            <a:chExt cx="13807440" cy="4663440"/>
+          </a:xfrm>
+        </p:grpSpPr>
+        <p:pic>
+          <p:nvPicPr>
+            <p:cNvPr id="3" name="Imagen 2"/>
+            <p:cNvPicPr>
+              <a:picLocks noChangeAspect="1"/>
+            </p:cNvPicPr>
+            <p:nvPr/>
+          </p:nvPicPr>
+          <p:blipFill rotWithShape="1">
+            <a:blip r:embed="rId2" cstate="print">
+              <a:clrChange>
+                <a:clrFrom>
+                  <a:srgbClr val="FFFFFF"/>
+                </a:clrFrom>
+                <a:clrTo>
+                  <a:srgbClr val="FFFFFF">
+                    <a:alpha val="0"/>
+                  </a:srgbClr>
+                </a:clrTo>
+              </a:clrChange>
+              <a:duotone>
+                <a:prstClr val="black"/>
+                <a:schemeClr val="accent6">
+                  <a:tint val="45000"/>
+                  <a:satMod val="400000"/>
+                </a:schemeClr>
+              </a:duotone>
+              <a:extLst>
+                <a:ext uri="{28A0092B-C50C-407E-A947-70E740481C1C}">
+                  <a14:useLocalDpi xmlns:a14="http://schemas.microsoft.com/office/drawing/2010/main" val="0"/>
+                </a:ext>
+              </a:extLst>
+            </a:blip>
+            <a:srcRect l="22703" t="8234" r="15251" b="11005"/>
+            <a:stretch/>
+          </p:blipFill>
+          <p:spPr>
+            <a:xfrm>
+              <a:off x="12252960" y="1485900"/>
+              <a:ext cx="6240780" cy="4640580"/>
+            </a:xfrm>
+            <a:prstGeom prst="rect">
+              <a:avLst/>
+            </a:prstGeom>
+          </p:spPr>
+        </p:pic>
+        <p:pic>
+          <p:nvPicPr>
+            <p:cNvPr id="2" name="Imagen 1"/>
+            <p:cNvPicPr>
+              <a:picLocks noChangeAspect="1"/>
+            </p:cNvPicPr>
+            <p:nvPr/>
+          </p:nvPicPr>
+          <p:blipFill rotWithShape="1">
+            <a:blip r:embed="rId3" cstate="print">
+              <a:extLst>
+                <a:ext uri="{28A0092B-C50C-407E-A947-70E740481C1C}">
+                  <a14:useLocalDpi xmlns:a14="http://schemas.microsoft.com/office/drawing/2010/main" val="0"/>
+                </a:ext>
+              </a:extLst>
+            </a:blip>
+            <a:srcRect l="14265" t="8234" r="10280" b="10607"/>
+            <a:stretch/>
+          </p:blipFill>
+          <p:spPr>
+            <a:xfrm>
+              <a:off x="4686300" y="1485900"/>
+              <a:ext cx="7589520" cy="4663440"/>
+            </a:xfrm>
+            <a:prstGeom prst="rect">
+              <a:avLst/>
+            </a:prstGeom>
+          </p:spPr>
+        </p:pic>
+      </p:grpSp>
+      <p:sp>
+        <p:nvSpPr>
+          <p:cNvPr id="5" name="CuadroTexto 4"/>
+          <p:cNvSpPr txBox="1"/>
+          <p:nvPr/>
+        </p:nvSpPr>
         <p:spPr>
           <a:xfrm>
-            <a:off x="4156172" y="2291582"/>
-            <a:ext cx="2917371" cy="1893920"/>
-          </a:xfrm>
-          <a:prstGeom prst="rect">
-            <a:avLst/>
-          </a:prstGeom>
-        </p:spPr>
-      </p:pic>
-      <p:pic>
-        <p:nvPicPr>
-          <p:cNvPr id="4" name="Imagen 3"/>
-          <p:cNvPicPr>
-            <a:picLocks noChangeAspect="1"/>
-          </p:cNvPicPr>
-          <p:nvPr/>
-        </p:nvPicPr>
-        <p:blipFill rotWithShape="1">
-          <a:blip r:embed="rId2" cstate="print">
-            <a:extLst>
-              <a:ext uri="{28A0092B-C50C-407E-A947-70E740481C1C}">
-                <a14:useLocalDpi xmlns:a14="http://schemas.microsoft.com/office/drawing/2010/main" val="0"/>
-              </a:ext>
-            </a:extLst>
-          </a:blip>
-          <a:srcRect l="3463" t="7041" r="57660" b="57380"/>
-          <a:stretch/>
-        </p:blipFill>
-        <p:spPr>
-          <a:xfrm>
-            <a:off x="3376069" y="571245"/>
-            <a:ext cx="3910256" cy="1691312"/>
-          </a:xfrm>
-          <a:prstGeom prst="rect">
-            <a:avLst/>
-          </a:prstGeom>
-        </p:spPr>
-      </p:pic>
-      <p:pic>
-        <p:nvPicPr>
-          <p:cNvPr id="6" name="Imagen 5"/>
-          <p:cNvPicPr>
-            <a:picLocks noChangeAspect="1"/>
-          </p:cNvPicPr>
-          <p:nvPr/>
-        </p:nvPicPr>
-        <p:blipFill rotWithShape="1">
-          <a:blip r:embed="rId2" cstate="print">
-            <a:extLst>
-              <a:ext uri="{28A0092B-C50C-407E-A947-70E740481C1C}">
-                <a14:useLocalDpi xmlns:a14="http://schemas.microsoft.com/office/drawing/2010/main" val="0"/>
-              </a:ext>
-            </a:extLst>
-          </a:blip>
-          <a:srcRect l="4200" t="55050" r="55218"/>
-          <a:stretch/>
-        </p:blipFill>
-        <p:spPr>
-          <a:xfrm>
-            <a:off x="94265" y="467548"/>
-            <a:ext cx="4081807" cy="2136737"/>
-          </a:xfrm>
-          <a:prstGeom prst="rect">
-            <a:avLst/>
-          </a:prstGeom>
-        </p:spPr>
-      </p:pic>
-      <p:pic>
-        <p:nvPicPr>
-          <p:cNvPr id="7" name="Imagen 6"/>
-          <p:cNvPicPr>
-            <a:picLocks noChangeAspect="1"/>
-          </p:cNvPicPr>
-          <p:nvPr/>
-        </p:nvPicPr>
-        <p:blipFill rotWithShape="1">
-          <a:blip r:embed="rId2" cstate="print">
-            <a:extLst>
-              <a:ext uri="{28A0092B-C50C-407E-A947-70E740481C1C}">
-                <a14:useLocalDpi xmlns:a14="http://schemas.microsoft.com/office/drawing/2010/main" val="0"/>
-              </a:ext>
-            </a:extLst>
-          </a:blip>
-          <a:srcRect l="61113" t="7240" r="9882" b="59725"/>
-          <a:stretch/>
-        </p:blipFill>
-        <p:spPr>
-          <a:xfrm>
-            <a:off x="782424" y="2335490"/>
-            <a:ext cx="2917371" cy="1570331"/>
-          </a:xfrm>
-          <a:prstGeom prst="rect">
-            <a:avLst/>
-          </a:prstGeom>
-        </p:spPr>
-      </p:pic>
-      <p:sp>
-        <p:nvSpPr>
-          <p:cNvPr id="10" name="CuadroTexto 9"/>
-          <p:cNvSpPr txBox="1"/>
-          <p:nvPr/>
-        </p:nvSpPr>
-        <p:spPr>
-          <a:xfrm>
-            <a:off x="845048" y="391446"/>
-            <a:ext cx="314510" cy="307777"/>
+            <a:off x="52252" y="69531"/>
+            <a:ext cx="518091" cy="646331"/>
           </a:xfrm>
           <a:prstGeom prst="rect">
             <a:avLst/>
@@ -3112,13 +3097,13 @@
           <a:lstStyle/>
           <a:p>
             <a:r>
-              <a:rPr lang="es-MX" sz="1400" dirty="0" smtClean="0">
+              <a:rPr lang="en-US" sz="3600" dirty="0" smtClean="0">
                 <a:latin typeface="Times New Roman" panose="02020603050405020304" pitchFamily="18" charset="0"/>
                 <a:cs typeface="Times New Roman" panose="02020603050405020304" pitchFamily="18" charset="0"/>
               </a:rPr>
               <a:t>A</a:t>
             </a:r>
-            <a:endParaRPr lang="es-MX" sz="1400" dirty="0">
+            <a:endParaRPr lang="en-US" dirty="0">
               <a:latin typeface="Times New Roman" panose="02020603050405020304" pitchFamily="18" charset="0"/>
               <a:cs typeface="Times New Roman" panose="02020603050405020304" pitchFamily="18" charset="0"/>
             </a:endParaRPr>
@@ -3127,14 +3112,14 @@
       </p:sp>
       <p:sp>
         <p:nvSpPr>
-          <p:cNvPr id="11" name="CuadroTexto 10"/>
+          <p:cNvPr id="10" name="CuadroTexto 9"/>
           <p:cNvSpPr txBox="1"/>
           <p:nvPr/>
         </p:nvSpPr>
         <p:spPr>
           <a:xfrm>
-            <a:off x="4455023" y="400971"/>
-            <a:ext cx="304892" cy="307777"/>
+            <a:off x="7529592" y="69531"/>
+            <a:ext cx="492443" cy="646331"/>
           </a:xfrm>
           <a:prstGeom prst="rect">
             <a:avLst/>
@@ -3148,76 +3133,16 @@
           <a:lstStyle/>
           <a:p>
             <a:r>
-              <a:rPr lang="es-MX" sz="1400" dirty="0">
+              <a:rPr lang="en-US" sz="3600" dirty="0">
                 <a:latin typeface="Times New Roman" panose="02020603050405020304" pitchFamily="18" charset="0"/>
                 <a:cs typeface="Times New Roman" panose="02020603050405020304" pitchFamily="18" charset="0"/>
               </a:rPr>
               <a:t>B</a:t>
             </a:r>
-          </a:p>
-        </p:txBody>
-      </p:sp>
-      <p:sp>
-        <p:nvSpPr>
-          <p:cNvPr id="12" name="CuadroTexto 11"/>
-          <p:cNvSpPr txBox="1"/>
-          <p:nvPr/>
-        </p:nvSpPr>
-        <p:spPr>
-          <a:xfrm>
-            <a:off x="845048" y="2039271"/>
-            <a:ext cx="304892" cy="307777"/>
-          </a:xfrm>
-          <a:prstGeom prst="rect">
-            <a:avLst/>
-          </a:prstGeom>
-          <a:noFill/>
-        </p:spPr>
-        <p:txBody>
-          <a:bodyPr wrap="none" rtlCol="0">
-            <a:spAutoFit/>
-          </a:bodyPr>
-          <a:lstStyle/>
-          <a:p>
-            <a:r>
-              <a:rPr lang="es-MX" sz="1400" dirty="0">
-                <a:latin typeface="Times New Roman" panose="02020603050405020304" pitchFamily="18" charset="0"/>
-                <a:cs typeface="Times New Roman" panose="02020603050405020304" pitchFamily="18" charset="0"/>
-              </a:rPr>
-              <a:t>C</a:t>
-            </a:r>
-          </a:p>
-        </p:txBody>
-      </p:sp>
-      <p:sp>
-        <p:nvSpPr>
-          <p:cNvPr id="13" name="CuadroTexto 12"/>
-          <p:cNvSpPr txBox="1"/>
-          <p:nvPr/>
-        </p:nvSpPr>
-        <p:spPr>
-          <a:xfrm>
-            <a:off x="4455023" y="2039271"/>
-            <a:ext cx="314510" cy="307777"/>
-          </a:xfrm>
-          <a:prstGeom prst="rect">
-            <a:avLst/>
-          </a:prstGeom>
-          <a:noFill/>
-        </p:spPr>
-        <p:txBody>
-          <a:bodyPr wrap="none" rtlCol="0">
-            <a:spAutoFit/>
-          </a:bodyPr>
-          <a:lstStyle/>
-          <a:p>
-            <a:r>
-              <a:rPr lang="es-MX" sz="1400" dirty="0">
-                <a:latin typeface="Times New Roman" panose="02020603050405020304" pitchFamily="18" charset="0"/>
-                <a:cs typeface="Times New Roman" panose="02020603050405020304" pitchFamily="18" charset="0"/>
-              </a:rPr>
-              <a:t>D</a:t>
-            </a:r>
+            <a:endParaRPr lang="en-US" dirty="0">
+              <a:latin typeface="Times New Roman" panose="02020603050405020304" pitchFamily="18" charset="0"/>
+              <a:cs typeface="Times New Roman" panose="02020603050405020304" pitchFamily="18" charset="0"/>
+            </a:endParaRPr>
           </a:p>
         </p:txBody>
       </p:sp>
@@ -3231,6 +3156,13 @@
   <p:clrMapOvr>
     <a:masterClrMapping/>
   </p:clrMapOvr>
+  <p:timing>
+    <p:tnLst>
+      <p:par>
+        <p:cTn id="1" dur="indefinite" restart="never" nodeType="tmRoot"/>
+      </p:par>
+    </p:tnLst>
+  </p:timing>
 </p:sld>
 </file>
 
